--- a/Proposal/Final/Group 6_Presentation Triple B Fitness Center.pptx
+++ b/Proposal/Final/Group 6_Presentation Triple B Fitness Center.pptx
@@ -145,7 +145,7 @@
   </p:defaultTextStyle>
   <p:extLst>
     <p:ext uri="{521415D9-36F7-43E2-AB2F-B90AF26B5E84}">
-      <p14:sectionLst xmlns="" xmlns:p14="http://schemas.microsoft.com/office/powerpoint/2010/main">
+      <p14:sectionLst xmlns:p14="http://schemas.microsoft.com/office/powerpoint/2010/main">
         <p14:section name="ส่วนเริ่มต้น" id="{0DC94A74-4B14-4D3B-AAD1-1D39727FCDE3}">
           <p14:sldIdLst>
             <p14:sldId id="256"/>
@@ -447,7 +447,7 @@
     </p:spTree>
     <p:extLst>
       <p:ext uri="{BB962C8B-B14F-4D97-AF65-F5344CB8AC3E}">
-        <p14:creationId xmlns="" xmlns:p14="http://schemas.microsoft.com/office/powerpoint/2010/main" val="3753813588"/>
+        <p14:creationId xmlns:p14="http://schemas.microsoft.com/office/powerpoint/2010/main" val="3753813588"/>
       </p:ext>
     </p:extLst>
   </p:cSld>
@@ -588,6 +588,91 @@
         </p:nvSpPr>
         <p:spPr/>
         <p:txBody>
+          <a:bodyPr/>
+          <a:lstStyle/>
+          <a:p>
+            <a:endParaRPr lang="th-TH"/>
+          </a:p>
+        </p:txBody>
+      </p:sp>
+      <p:sp>
+        <p:nvSpPr>
+          <p:cNvPr id="4" name="Slide Number Placeholder 3"/>
+          <p:cNvSpPr>
+            <a:spLocks noGrp="1"/>
+          </p:cNvSpPr>
+          <p:nvPr>
+            <p:ph type="sldNum" sz="quarter" idx="10"/>
+          </p:nvPr>
+        </p:nvSpPr>
+        <p:spPr/>
+        <p:txBody>
+          <a:bodyPr/>
+          <a:lstStyle/>
+          <a:p>
+            <a:fld id="{CE9075E7-2DBD-4394-BB71-745825395800}" type="slidenum">
+              <a:rPr lang="en-US" smtClean="0"/>
+              <a:pPr/>
+              <a:t>1</a:t>
+            </a:fld>
+            <a:endParaRPr lang="en-US"/>
+          </a:p>
+        </p:txBody>
+      </p:sp>
+    </p:spTree>
+    <p:extLst>
+      <p:ext uri="{BB962C8B-B14F-4D97-AF65-F5344CB8AC3E}">
+        <p14:creationId xmlns:p14="http://schemas.microsoft.com/office/powerpoint/2010/main" val="2627525788"/>
+      </p:ext>
+    </p:extLst>
+  </p:cSld>
+  <p:clrMapOvr>
+    <a:masterClrMapping/>
+  </p:clrMapOvr>
+</p:notes>
+</file>
+
+<file path=ppt/notesSlides/notesSlide2.xml><?xml version="1.0" encoding="utf-8"?>
+<p:notes xmlns:a="http://schemas.openxmlformats.org/drawingml/2006/main" xmlns:r="http://schemas.openxmlformats.org/officeDocument/2006/relationships" xmlns:p="http://schemas.openxmlformats.org/presentationml/2006/main">
+  <p:cSld>
+    <p:spTree>
+      <p:nvGrpSpPr>
+        <p:cNvPr id="1" name=""/>
+        <p:cNvGrpSpPr/>
+        <p:nvPr/>
+      </p:nvGrpSpPr>
+      <p:grpSpPr>
+        <a:xfrm>
+          <a:off x="0" y="0"/>
+          <a:ext cx="0" cy="0"/>
+          <a:chOff x="0" y="0"/>
+          <a:chExt cx="0" cy="0"/>
+        </a:xfrm>
+      </p:grpSpPr>
+      <p:sp>
+        <p:nvSpPr>
+          <p:cNvPr id="2" name="Slide Image Placeholder 1"/>
+          <p:cNvSpPr>
+            <a:spLocks noGrp="1" noRot="1" noChangeAspect="1"/>
+          </p:cNvSpPr>
+          <p:nvPr>
+            <p:ph type="sldImg"/>
+          </p:nvPr>
+        </p:nvSpPr>
+        <p:spPr/>
+      </p:sp>
+      <p:sp>
+        <p:nvSpPr>
+          <p:cNvPr id="3" name="Notes Placeholder 2"/>
+          <p:cNvSpPr>
+            <a:spLocks noGrp="1"/>
+          </p:cNvSpPr>
+          <p:nvPr>
+            <p:ph type="body" idx="1"/>
+          </p:nvPr>
+        </p:nvSpPr>
+        <p:spPr/>
+        <p:txBody>
           <a:bodyPr>
             <a:normAutofit/>
           </a:bodyPr>
@@ -658,7 +743,7 @@
           <a:blip r:embed="rId2">
             <a:extLst>
               <a:ext uri="{28A0092B-C50C-407E-A947-70E740481C1C}">
-                <a14:useLocalDpi xmlns="" xmlns:a14="http://schemas.microsoft.com/office/drawing/2010/main" val="0"/>
+                <a14:useLocalDpi xmlns:a14="http://schemas.microsoft.com/office/drawing/2010/main" val="0"/>
               </a:ext>
             </a:extLst>
           </a:blip>
@@ -1034,7 +1119,7 @@
           <a:blip r:embed="rId3">
             <a:extLst>
               <a:ext uri="{28A0092B-C50C-407E-A947-70E740481C1C}">
-                <a14:useLocalDpi xmlns="" xmlns:a14="http://schemas.microsoft.com/office/drawing/2010/main" val="0"/>
+                <a14:useLocalDpi xmlns:a14="http://schemas.microsoft.com/office/drawing/2010/main" val="0"/>
               </a:ext>
             </a:extLst>
           </a:blip>
@@ -1057,14 +1142,14 @@
           </a:ln>
           <a:extLst>
             <a:ext uri="{909E8E84-426E-40DD-AFC4-6F175D3DCCD1}">
-              <a14:hiddenFill xmlns="" xmlns:a14="http://schemas.microsoft.com/office/drawing/2010/main">
+              <a14:hiddenFill xmlns:a14="http://schemas.microsoft.com/office/drawing/2010/main">
                 <a:solidFill>
                   <a:schemeClr val="accent1"/>
                 </a:solidFill>
               </a14:hiddenFill>
             </a:ext>
             <a:ext uri="{91240B29-F687-4F45-9708-019B960494DF}">
-              <a14:hiddenLine xmlns="" xmlns:a14="http://schemas.microsoft.com/office/drawing/2010/main" w="9525">
+              <a14:hiddenLine xmlns:a14="http://schemas.microsoft.com/office/drawing/2010/main" w="9525">
                 <a:solidFill>
                   <a:schemeClr val="tx1"/>
                 </a:solidFill>
@@ -1088,7 +1173,7 @@
           <a:blip r:embed="rId4">
             <a:extLst>
               <a:ext uri="{28A0092B-C50C-407E-A947-70E740481C1C}">
-                <a14:useLocalDpi xmlns="" xmlns:a14="http://schemas.microsoft.com/office/drawing/2010/main" val="0"/>
+                <a14:useLocalDpi xmlns:a14="http://schemas.microsoft.com/office/drawing/2010/main" val="0"/>
               </a:ext>
             </a:extLst>
           </a:blip>
@@ -1139,7 +1224,7 @@
     </p:spTree>
     <p:extLst>
       <p:ext uri="{BB962C8B-B14F-4D97-AF65-F5344CB8AC3E}">
-        <p14:creationId xmlns="" xmlns:p14="http://schemas.microsoft.com/office/powerpoint/2010/main" val="59150667"/>
+        <p14:creationId xmlns:p14="http://schemas.microsoft.com/office/powerpoint/2010/main" val="59150667"/>
       </p:ext>
     </p:extLst>
   </p:cSld>
@@ -1428,7 +1513,7 @@
     </p:spTree>
     <p:extLst>
       <p:ext uri="{BB962C8B-B14F-4D97-AF65-F5344CB8AC3E}">
-        <p14:creationId xmlns="" xmlns:p14="http://schemas.microsoft.com/office/powerpoint/2010/main" val="1938930991"/>
+        <p14:creationId xmlns:p14="http://schemas.microsoft.com/office/powerpoint/2010/main" val="1938930991"/>
       </p:ext>
     </p:extLst>
   </p:cSld>
@@ -1686,7 +1771,7 @@
     </p:spTree>
     <p:extLst>
       <p:ext uri="{BB962C8B-B14F-4D97-AF65-F5344CB8AC3E}">
-        <p14:creationId xmlns="" xmlns:p14="http://schemas.microsoft.com/office/powerpoint/2010/main" val="1940904188"/>
+        <p14:creationId xmlns:p14="http://schemas.microsoft.com/office/powerpoint/2010/main" val="1940904188"/>
       </p:ext>
     </p:extLst>
   </p:cSld>
@@ -1861,7 +1946,7 @@
     </p:spTree>
     <p:extLst>
       <p:ext uri="{BB962C8B-B14F-4D97-AF65-F5344CB8AC3E}">
-        <p14:creationId xmlns="" xmlns:p14="http://schemas.microsoft.com/office/powerpoint/2010/main" val="2492948887"/>
+        <p14:creationId xmlns:p14="http://schemas.microsoft.com/office/powerpoint/2010/main" val="2492948887"/>
       </p:ext>
     </p:extLst>
   </p:cSld>
@@ -2113,7 +2198,7 @@
     </p:spTree>
     <p:extLst>
       <p:ext uri="{BB962C8B-B14F-4D97-AF65-F5344CB8AC3E}">
-        <p14:creationId xmlns="" xmlns:p14="http://schemas.microsoft.com/office/powerpoint/2010/main" val="14405576"/>
+        <p14:creationId xmlns:p14="http://schemas.microsoft.com/office/powerpoint/2010/main" val="14405576"/>
       </p:ext>
     </p:extLst>
   </p:cSld>
@@ -2377,7 +2462,7 @@
     </p:spTree>
     <p:extLst>
       <p:ext uri="{BB962C8B-B14F-4D97-AF65-F5344CB8AC3E}">
-        <p14:creationId xmlns="" xmlns:p14="http://schemas.microsoft.com/office/powerpoint/2010/main" val="14405576"/>
+        <p14:creationId xmlns:p14="http://schemas.microsoft.com/office/powerpoint/2010/main" val="14405576"/>
       </p:ext>
     </p:extLst>
   </p:cSld>
@@ -2642,7 +2727,7 @@
     </p:spTree>
     <p:extLst>
       <p:ext uri="{BB962C8B-B14F-4D97-AF65-F5344CB8AC3E}">
-        <p14:creationId xmlns="" xmlns:p14="http://schemas.microsoft.com/office/powerpoint/2010/main" val="14405576"/>
+        <p14:creationId xmlns:p14="http://schemas.microsoft.com/office/powerpoint/2010/main" val="14405576"/>
       </p:ext>
     </p:extLst>
   </p:cSld>
@@ -2900,7 +2985,7 @@
     </p:spTree>
     <p:extLst>
       <p:ext uri="{BB962C8B-B14F-4D97-AF65-F5344CB8AC3E}">
-        <p14:creationId xmlns="" xmlns:p14="http://schemas.microsoft.com/office/powerpoint/2010/main" val="3247821335"/>
+        <p14:creationId xmlns:p14="http://schemas.microsoft.com/office/powerpoint/2010/main" val="3247821335"/>
       </p:ext>
     </p:extLst>
   </p:cSld>
@@ -3193,7 +3278,7 @@
     </p:spTree>
     <p:extLst>
       <p:ext uri="{BB962C8B-B14F-4D97-AF65-F5344CB8AC3E}">
-        <p14:creationId xmlns="" xmlns:p14="http://schemas.microsoft.com/office/powerpoint/2010/main" val="3178044546"/>
+        <p14:creationId xmlns:p14="http://schemas.microsoft.com/office/powerpoint/2010/main" val="3178044546"/>
       </p:ext>
     </p:extLst>
   </p:cSld>
@@ -3620,7 +3705,7 @@
     </p:spTree>
     <p:extLst>
       <p:ext uri="{BB962C8B-B14F-4D97-AF65-F5344CB8AC3E}">
-        <p14:creationId xmlns="" xmlns:p14="http://schemas.microsoft.com/office/powerpoint/2010/main" val="3574327634"/>
+        <p14:creationId xmlns:p14="http://schemas.microsoft.com/office/powerpoint/2010/main" val="3574327634"/>
       </p:ext>
     </p:extLst>
   </p:cSld>
@@ -3743,7 +3828,7 @@
     </p:spTree>
     <p:extLst>
       <p:ext uri="{BB962C8B-B14F-4D97-AF65-F5344CB8AC3E}">
-        <p14:creationId xmlns="" xmlns:p14="http://schemas.microsoft.com/office/powerpoint/2010/main" val="1937527914"/>
+        <p14:creationId xmlns:p14="http://schemas.microsoft.com/office/powerpoint/2010/main" val="1937527914"/>
       </p:ext>
     </p:extLst>
   </p:cSld>
@@ -3843,7 +3928,7 @@
     </p:spTree>
     <p:extLst>
       <p:ext uri="{BB962C8B-B14F-4D97-AF65-F5344CB8AC3E}">
-        <p14:creationId xmlns="" xmlns:p14="http://schemas.microsoft.com/office/powerpoint/2010/main" val="3077606995"/>
+        <p14:creationId xmlns:p14="http://schemas.microsoft.com/office/powerpoint/2010/main" val="3077606995"/>
       </p:ext>
     </p:extLst>
   </p:cSld>
@@ -3887,7 +3972,7 @@
           <a:blip r:embed="rId14">
             <a:extLst>
               <a:ext uri="{28A0092B-C50C-407E-A947-70E740481C1C}">
-                <a14:useLocalDpi xmlns="" xmlns:a14="http://schemas.microsoft.com/office/drawing/2010/main" val="0"/>
+                <a14:useLocalDpi xmlns:a14="http://schemas.microsoft.com/office/drawing/2010/main" val="0"/>
               </a:ext>
             </a:extLst>
           </a:blip>
@@ -4012,7 +4097,7 @@
           <a:blip r:embed="rId15">
             <a:extLst>
               <a:ext uri="{28A0092B-C50C-407E-A947-70E740481C1C}">
-                <a14:useLocalDpi xmlns="" xmlns:a14="http://schemas.microsoft.com/office/drawing/2010/main" val="0"/>
+                <a14:useLocalDpi xmlns:a14="http://schemas.microsoft.com/office/drawing/2010/main" val="0"/>
               </a:ext>
             </a:extLst>
           </a:blip>
@@ -4035,14 +4120,14 @@
           </a:ln>
           <a:extLst>
             <a:ext uri="{909E8E84-426E-40DD-AFC4-6F175D3DCCD1}">
-              <a14:hiddenFill xmlns="" xmlns:a14="http://schemas.microsoft.com/office/drawing/2010/main">
+              <a14:hiddenFill xmlns:a14="http://schemas.microsoft.com/office/drawing/2010/main">
                 <a:solidFill>
                   <a:schemeClr val="accent1"/>
                 </a:solidFill>
               </a14:hiddenFill>
             </a:ext>
             <a:ext uri="{91240B29-F687-4F45-9708-019B960494DF}">
-              <a14:hiddenLine xmlns="" xmlns:a14="http://schemas.microsoft.com/office/drawing/2010/main" w="9525">
+              <a14:hiddenLine xmlns:a14="http://schemas.microsoft.com/office/drawing/2010/main" w="9525">
                 <a:solidFill>
                   <a:schemeClr val="tx1"/>
                 </a:solidFill>
@@ -4066,7 +4151,7 @@
           <a:blip r:embed="rId16">
             <a:extLst>
               <a:ext uri="{28A0092B-C50C-407E-A947-70E740481C1C}">
-                <a14:useLocalDpi xmlns="" xmlns:a14="http://schemas.microsoft.com/office/drawing/2010/main" val="0"/>
+                <a14:useLocalDpi xmlns:a14="http://schemas.microsoft.com/office/drawing/2010/main" val="0"/>
               </a:ext>
             </a:extLst>
           </a:blip>
@@ -4336,7 +4421,7 @@
     </p:spTree>
     <p:extLst>
       <p:ext uri="{BB962C8B-B14F-4D97-AF65-F5344CB8AC3E}">
-        <p14:creationId xmlns="" xmlns:p14="http://schemas.microsoft.com/office/powerpoint/2010/main" val="908646941"/>
+        <p14:creationId xmlns:p14="http://schemas.microsoft.com/office/powerpoint/2010/main" val="908646941"/>
       </p:ext>
     </p:extLst>
   </p:cSld>
@@ -4638,13 +4723,13 @@
         </p:nvSpPr>
         <p:spPr>
           <a:xfrm>
-            <a:off x="2866490" y="2233554"/>
+            <a:off x="3008990" y="2233554"/>
             <a:ext cx="5591710" cy="2510723"/>
           </a:xfrm>
         </p:spPr>
         <p:txBody>
           <a:bodyPr>
-            <a:normAutofit fontScale="90000"/>
+            <a:normAutofit/>
           </a:bodyPr>
           <a:lstStyle/>
           <a:p>
@@ -4671,25 +4756,45 @@
             <a:r>
               <a:rPr lang="th-TH" dirty="0" smtClean="0"/>
               <a:t> </a:t>
-            </a:r>
-            <a:r>
-              <a:rPr lang="th-TH" b="1" dirty="0" smtClean="0">
-                <a:latin typeface="TH Sarabun New" pitchFamily="34" charset="-34"/>
-                <a:cs typeface="TH Sarabun New" pitchFamily="34" charset="-34"/>
-              </a:rPr>
-              <a:t>ระบบ</a:t>
-            </a:r>
-            <a:r>
-              <a:rPr lang="th-TH" b="1" dirty="0">
-                <a:latin typeface="TH Sarabun New" pitchFamily="34" charset="-34"/>
-                <a:cs typeface="TH Sarabun New" pitchFamily="34" charset="-34"/>
-              </a:rPr>
-              <a:t>บริหารจัดการศูนย์ออกกำลังกาย</a:t>
             </a:r>
             <a:endParaRPr lang="en-US" dirty="0">
               <a:latin typeface="TH Sarabun New" pitchFamily="34" charset="-34"/>
               <a:cs typeface="TH Sarabun New" pitchFamily="34" charset="-34"/>
             </a:endParaRPr>
+          </a:p>
+        </p:txBody>
+      </p:sp>
+      <p:sp>
+        <p:nvSpPr>
+          <p:cNvPr id="3" name="TextBox 2"/>
+          <p:cNvSpPr txBox="1"/>
+          <p:nvPr/>
+        </p:nvSpPr>
+        <p:spPr>
+          <a:xfrm>
+            <a:off x="2873824" y="3906981"/>
+            <a:ext cx="5985163" cy="769441"/>
+          </a:xfrm>
+          <a:prstGeom prst="rect">
+            <a:avLst/>
+          </a:prstGeom>
+          <a:noFill/>
+        </p:spPr>
+        <p:txBody>
+          <a:bodyPr wrap="square" rtlCol="0">
+            <a:spAutoFit/>
+          </a:bodyPr>
+          <a:lstStyle/>
+          <a:p>
+            <a:pPr algn="ctr"/>
+            <a:r>
+              <a:rPr lang="th-TH" sz="4400" b="1" dirty="0">
+                <a:latin typeface="TH Sarabun New" pitchFamily="34" charset="-34"/>
+                <a:cs typeface="TH Sarabun New" pitchFamily="34" charset="-34"/>
+              </a:rPr>
+              <a:t>ระบบบริหารจัดการศูนย์ออกกำลังกาย</a:t>
+            </a:r>
+            <a:endParaRPr lang="th-TH" sz="4400" dirty="0"/>
           </a:p>
         </p:txBody>
       </p:sp>
@@ -4766,7 +4871,7 @@
           <a:blip r:embed="rId2" cstate="print">
             <a:extLst>
               <a:ext uri="{28A0092B-C50C-407E-A947-70E740481C1C}">
-                <a14:useLocalDpi xmlns="" xmlns:a14="http://schemas.microsoft.com/office/drawing/2010/main" val="0"/>
+                <a14:useLocalDpi xmlns:a14="http://schemas.microsoft.com/office/drawing/2010/main" val="0"/>
               </a:ext>
             </a:extLst>
           </a:blip>
@@ -4867,7 +4972,7 @@
     </p:spTree>
     <p:extLst>
       <p:ext uri="{BB962C8B-B14F-4D97-AF65-F5344CB8AC3E}">
-        <p14:creationId xmlns="" xmlns:p14="http://schemas.microsoft.com/office/powerpoint/2010/main" val="3030324529"/>
+        <p14:creationId xmlns:p14="http://schemas.microsoft.com/office/powerpoint/2010/main" val="3030324529"/>
       </p:ext>
     </p:extLst>
   </p:cSld>
@@ -5098,7 +5203,7 @@
     </p:spTree>
     <p:extLst>
       <p:ext uri="{BB962C8B-B14F-4D97-AF65-F5344CB8AC3E}">
-        <p14:creationId xmlns="" xmlns:p14="http://schemas.microsoft.com/office/powerpoint/2010/main" val="3628872196"/>
+        <p14:creationId xmlns:p14="http://schemas.microsoft.com/office/powerpoint/2010/main" val="3628872196"/>
       </p:ext>
     </p:extLst>
   </p:cSld>
@@ -5267,7 +5372,7 @@
     </p:spTree>
     <p:extLst>
       <p:ext uri="{BB962C8B-B14F-4D97-AF65-F5344CB8AC3E}">
-        <p14:creationId xmlns="" xmlns:p14="http://schemas.microsoft.com/office/powerpoint/2010/main" val="102299389"/>
+        <p14:creationId xmlns:p14="http://schemas.microsoft.com/office/powerpoint/2010/main" val="102299389"/>
       </p:ext>
     </p:extLst>
   </p:cSld>
@@ -5342,7 +5447,7 @@
           <a:blip r:embed="rId2" cstate="print">
             <a:extLst>
               <a:ext uri="{28A0092B-C50C-407E-A947-70E740481C1C}">
-                <a14:useLocalDpi xmlns="" xmlns:a14="http://schemas.microsoft.com/office/drawing/2010/main" val="0"/>
+                <a14:useLocalDpi xmlns:a14="http://schemas.microsoft.com/office/drawing/2010/main" val="0"/>
               </a:ext>
             </a:extLst>
           </a:blip>
@@ -5441,7 +5546,7 @@
     </p:spTree>
     <p:extLst>
       <p:ext uri="{BB962C8B-B14F-4D97-AF65-F5344CB8AC3E}">
-        <p14:creationId xmlns="" xmlns:p14="http://schemas.microsoft.com/office/powerpoint/2010/main" val="4074501576"/>
+        <p14:creationId xmlns:p14="http://schemas.microsoft.com/office/powerpoint/2010/main" val="4074501576"/>
       </p:ext>
     </p:extLst>
   </p:cSld>
@@ -5687,7 +5792,7 @@
           <a:blip r:embed="rId2">
             <a:extLst>
               <a:ext uri="{28A0092B-C50C-407E-A947-70E740481C1C}">
-                <a14:useLocalDpi xmlns="" xmlns:a14="http://schemas.microsoft.com/office/drawing/2010/main" val="0"/>
+                <a14:useLocalDpi xmlns:a14="http://schemas.microsoft.com/office/drawing/2010/main" val="0"/>
               </a:ext>
             </a:extLst>
           </a:blip>
@@ -5711,14 +5816,14 @@
           <a:effectLst/>
           <a:extLst>
             <a:ext uri="{909E8E84-426E-40DD-AFC4-6F175D3DCCD1}">
-              <a14:hiddenFill xmlns="" xmlns:a14="http://schemas.microsoft.com/office/drawing/2010/main">
+              <a14:hiddenFill xmlns:a14="http://schemas.microsoft.com/office/drawing/2010/main">
                 <a:solidFill>
                   <a:schemeClr val="accent1"/>
                 </a:solidFill>
               </a14:hiddenFill>
             </a:ext>
             <a:ext uri="{91240B29-F687-4F45-9708-019B960494DF}">
-              <a14:hiddenLine xmlns="" xmlns:a14="http://schemas.microsoft.com/office/drawing/2010/main" w="9525">
+              <a14:hiddenLine xmlns:a14="http://schemas.microsoft.com/office/drawing/2010/main" w="9525">
                 <a:solidFill>
                   <a:schemeClr val="tx1"/>
                 </a:solidFill>
@@ -5728,7 +5833,7 @@
               </a14:hiddenLine>
             </a:ext>
             <a:ext uri="{AF507438-7753-43E0-B8FC-AC1667EBCBE1}">
-              <a14:hiddenEffects xmlns="" xmlns:a14="http://schemas.microsoft.com/office/drawing/2010/main">
+              <a14:hiddenEffects xmlns:a14="http://schemas.microsoft.com/office/drawing/2010/main">
                 <a:effectLst>
                   <a:outerShdw dist="35921" dir="2700000" algn="ctr" rotWithShape="0">
                     <a:schemeClr val="bg2"/>
@@ -5751,7 +5856,7 @@
           <a:blip r:embed="rId2">
             <a:extLst>
               <a:ext uri="{28A0092B-C50C-407E-A947-70E740481C1C}">
-                <a14:useLocalDpi xmlns="" xmlns:a14="http://schemas.microsoft.com/office/drawing/2010/main" val="0"/>
+                <a14:useLocalDpi xmlns:a14="http://schemas.microsoft.com/office/drawing/2010/main" val="0"/>
               </a:ext>
             </a:extLst>
           </a:blip>
@@ -5775,14 +5880,14 @@
           <a:effectLst/>
           <a:extLst>
             <a:ext uri="{909E8E84-426E-40DD-AFC4-6F175D3DCCD1}">
-              <a14:hiddenFill xmlns="" xmlns:a14="http://schemas.microsoft.com/office/drawing/2010/main">
+              <a14:hiddenFill xmlns:a14="http://schemas.microsoft.com/office/drawing/2010/main">
                 <a:solidFill>
                   <a:schemeClr val="accent1"/>
                 </a:solidFill>
               </a14:hiddenFill>
             </a:ext>
             <a:ext uri="{91240B29-F687-4F45-9708-019B960494DF}">
-              <a14:hiddenLine xmlns="" xmlns:a14="http://schemas.microsoft.com/office/drawing/2010/main" w="9525">
+              <a14:hiddenLine xmlns:a14="http://schemas.microsoft.com/office/drawing/2010/main" w="9525">
                 <a:solidFill>
                   <a:schemeClr val="tx1"/>
                 </a:solidFill>
@@ -5792,7 +5897,7 @@
               </a14:hiddenLine>
             </a:ext>
             <a:ext uri="{AF507438-7753-43E0-B8FC-AC1667EBCBE1}">
-              <a14:hiddenEffects xmlns="" xmlns:a14="http://schemas.microsoft.com/office/drawing/2010/main">
+              <a14:hiddenEffects xmlns:a14="http://schemas.microsoft.com/office/drawing/2010/main">
                 <a:effectLst>
                   <a:outerShdw dist="35921" dir="2700000" algn="ctr" rotWithShape="0">
                     <a:schemeClr val="bg2"/>
@@ -5815,7 +5920,7 @@
           <a:blip r:embed="rId2">
             <a:extLst>
               <a:ext uri="{28A0092B-C50C-407E-A947-70E740481C1C}">
-                <a14:useLocalDpi xmlns="" xmlns:a14="http://schemas.microsoft.com/office/drawing/2010/main" val="0"/>
+                <a14:useLocalDpi xmlns:a14="http://schemas.microsoft.com/office/drawing/2010/main" val="0"/>
               </a:ext>
             </a:extLst>
           </a:blip>
@@ -5839,14 +5944,14 @@
           <a:effectLst/>
           <a:extLst>
             <a:ext uri="{909E8E84-426E-40DD-AFC4-6F175D3DCCD1}">
-              <a14:hiddenFill xmlns="" xmlns:a14="http://schemas.microsoft.com/office/drawing/2010/main">
+              <a14:hiddenFill xmlns:a14="http://schemas.microsoft.com/office/drawing/2010/main">
                 <a:solidFill>
                   <a:schemeClr val="accent1"/>
                 </a:solidFill>
               </a14:hiddenFill>
             </a:ext>
             <a:ext uri="{91240B29-F687-4F45-9708-019B960494DF}">
-              <a14:hiddenLine xmlns="" xmlns:a14="http://schemas.microsoft.com/office/drawing/2010/main" w="9525">
+              <a14:hiddenLine xmlns:a14="http://schemas.microsoft.com/office/drawing/2010/main" w="9525">
                 <a:solidFill>
                   <a:schemeClr val="tx1"/>
                 </a:solidFill>
@@ -5856,7 +5961,7 @@
               </a14:hiddenLine>
             </a:ext>
             <a:ext uri="{AF507438-7753-43E0-B8FC-AC1667EBCBE1}">
-              <a14:hiddenEffects xmlns="" xmlns:a14="http://schemas.microsoft.com/office/drawing/2010/main">
+              <a14:hiddenEffects xmlns:a14="http://schemas.microsoft.com/office/drawing/2010/main">
                 <a:effectLst>
                   <a:outerShdw dist="35921" dir="2700000" algn="ctr" rotWithShape="0">
                     <a:schemeClr val="bg2"/>
@@ -5879,7 +5984,7 @@
           <a:blip r:embed="rId2">
             <a:extLst>
               <a:ext uri="{28A0092B-C50C-407E-A947-70E740481C1C}">
-                <a14:useLocalDpi xmlns="" xmlns:a14="http://schemas.microsoft.com/office/drawing/2010/main" val="0"/>
+                <a14:useLocalDpi xmlns:a14="http://schemas.microsoft.com/office/drawing/2010/main" val="0"/>
               </a:ext>
             </a:extLst>
           </a:blip>
@@ -5903,14 +6008,14 @@
           <a:effectLst/>
           <a:extLst>
             <a:ext uri="{909E8E84-426E-40DD-AFC4-6F175D3DCCD1}">
-              <a14:hiddenFill xmlns="" xmlns:a14="http://schemas.microsoft.com/office/drawing/2010/main">
+              <a14:hiddenFill xmlns:a14="http://schemas.microsoft.com/office/drawing/2010/main">
                 <a:solidFill>
                   <a:schemeClr val="accent1"/>
                 </a:solidFill>
               </a14:hiddenFill>
             </a:ext>
             <a:ext uri="{91240B29-F687-4F45-9708-019B960494DF}">
-              <a14:hiddenLine xmlns="" xmlns:a14="http://schemas.microsoft.com/office/drawing/2010/main" w="9525">
+              <a14:hiddenLine xmlns:a14="http://schemas.microsoft.com/office/drawing/2010/main" w="9525">
                 <a:solidFill>
                   <a:schemeClr val="tx1"/>
                 </a:solidFill>
@@ -5920,7 +6025,7 @@
               </a14:hiddenLine>
             </a:ext>
             <a:ext uri="{AF507438-7753-43E0-B8FC-AC1667EBCBE1}">
-              <a14:hiddenEffects xmlns="" xmlns:a14="http://schemas.microsoft.com/office/drawing/2010/main">
+              <a14:hiddenEffects xmlns:a14="http://schemas.microsoft.com/office/drawing/2010/main">
                 <a:effectLst>
                   <a:outerShdw dist="35921" dir="2700000" algn="ctr" rotWithShape="0">
                     <a:schemeClr val="bg2"/>
@@ -6290,7 +6395,7 @@
     </p:spTree>
     <p:extLst>
       <p:ext uri="{BB962C8B-B14F-4D97-AF65-F5344CB8AC3E}">
-        <p14:creationId xmlns="" xmlns:p14="http://schemas.microsoft.com/office/powerpoint/2010/main" val="961613202"/>
+        <p14:creationId xmlns:p14="http://schemas.microsoft.com/office/powerpoint/2010/main" val="961613202"/>
       </p:ext>
     </p:extLst>
   </p:cSld>
@@ -6334,7 +6439,12 @@
             <p:ph type="title"/>
           </p:nvPr>
         </p:nvSpPr>
-        <p:spPr/>
+        <p:spPr>
+          <a:xfrm>
+            <a:off x="457200" y="376679"/>
+            <a:ext cx="7135402" cy="862834"/>
+          </a:xfrm>
+        </p:spPr>
         <p:txBody>
           <a:bodyPr>
             <a:normAutofit/>
@@ -6552,7 +6662,7 @@
     </p:spTree>
     <p:extLst>
       <p:ext uri="{BB962C8B-B14F-4D97-AF65-F5344CB8AC3E}">
-        <p14:creationId xmlns="" xmlns:p14="http://schemas.microsoft.com/office/powerpoint/2010/main" val="637002781"/>
+        <p14:creationId xmlns:p14="http://schemas.microsoft.com/office/powerpoint/2010/main" val="637002781"/>
       </p:ext>
     </p:extLst>
   </p:cSld>
@@ -6901,7 +7011,7 @@
     </p:spTree>
     <p:extLst>
       <p:ext uri="{BB962C8B-B14F-4D97-AF65-F5344CB8AC3E}">
-        <p14:creationId xmlns="" xmlns:p14="http://schemas.microsoft.com/office/powerpoint/2010/main" val="1125814271"/>
+        <p14:creationId xmlns:p14="http://schemas.microsoft.com/office/powerpoint/2010/main" val="1125814271"/>
       </p:ext>
     </p:extLst>
   </p:cSld>
@@ -6947,7 +7057,7 @@
         </p:nvSpPr>
         <p:spPr>
           <a:xfrm>
-            <a:off x="457200" y="1063571"/>
+            <a:off x="457200" y="1004196"/>
             <a:ext cx="7135402" cy="862834"/>
           </a:xfrm>
         </p:spPr>
@@ -7016,12 +7126,12 @@
         </p:nvSpPr>
         <p:spPr>
           <a:xfrm>
-            <a:off x="2854036" y="2303813"/>
-            <a:ext cx="6135585" cy="2826635"/>
+            <a:off x="1959430" y="2342030"/>
+            <a:ext cx="6590804" cy="3464992"/>
           </a:xfrm>
         </p:spPr>
         <p:txBody>
-          <a:bodyPr>
+          <a:bodyPr anchor="ctr">
             <a:noAutofit/>
           </a:bodyPr>
           <a:lstStyle/>
@@ -7030,62 +7140,62 @@
               <a:buNone/>
             </a:pPr>
             <a:r>
-              <a:rPr lang="th-TH" sz="2800" dirty="0" smtClean="0">
-                <a:latin typeface="TH Sarabun New" pitchFamily="34" charset="-34"/>
-                <a:cs typeface="TH Sarabun New" pitchFamily="34" charset="-34"/>
-              </a:rPr>
-              <a:t>เป็น</a:t>
-            </a:r>
-            <a:r>
-              <a:rPr lang="th-TH" sz="2800" dirty="0">
+              <a:rPr lang="th-TH" dirty="0" smtClean="0">
+                <a:latin typeface="TH Sarabun New" pitchFamily="34" charset="-34"/>
+                <a:cs typeface="TH Sarabun New" pitchFamily="34" charset="-34"/>
+              </a:rPr>
+              <a:t>	เป็น</a:t>
+            </a:r>
+            <a:r>
+              <a:rPr lang="th-TH" dirty="0">
                 <a:latin typeface="TH Sarabun New" pitchFamily="34" charset="-34"/>
                 <a:cs typeface="TH Sarabun New" pitchFamily="34" charset="-34"/>
               </a:rPr>
               <a:t>ส่วนสำหรับพนักงานบริการลูกค้าและพนักงานบัญชี ใช้ตรวจสอบยอดขาย </a:t>
             </a:r>
             <a:r>
-              <a:rPr lang="th-TH" sz="2800" dirty="0" smtClean="0">
+              <a:rPr lang="th-TH" dirty="0" smtClean="0">
                 <a:latin typeface="TH Sarabun New" pitchFamily="34" charset="-34"/>
                 <a:cs typeface="TH Sarabun New" pitchFamily="34" charset="-34"/>
               </a:rPr>
               <a:t>และจำนวน</a:t>
             </a:r>
             <a:r>
-              <a:rPr lang="th-TH" sz="2800" dirty="0">
+              <a:rPr lang="th-TH" dirty="0">
                 <a:latin typeface="TH Sarabun New" pitchFamily="34" charset="-34"/>
                 <a:cs typeface="TH Sarabun New" pitchFamily="34" charset="-34"/>
               </a:rPr>
               <a:t>สินค้าคง</a:t>
             </a:r>
             <a:r>
-              <a:rPr lang="th-TH" sz="2800" dirty="0" smtClean="0">
+              <a:rPr lang="th-TH" dirty="0" smtClean="0">
                 <a:latin typeface="TH Sarabun New" pitchFamily="34" charset="-34"/>
                 <a:cs typeface="TH Sarabun New" pitchFamily="34" charset="-34"/>
               </a:rPr>
               <a:t>คลัง</a:t>
             </a:r>
-            <a:endParaRPr lang="th-TH" sz="2800" dirty="0">
+            <a:endParaRPr lang="th-TH" dirty="0">
               <a:latin typeface="TH Sarabun New" pitchFamily="34" charset="-34"/>
               <a:cs typeface="TH Sarabun New" pitchFamily="34" charset="-34"/>
             </a:endParaRPr>
           </a:p>
           <a:p>
             <a:r>
-              <a:rPr lang="th-TH" sz="2800" dirty="0" smtClean="0">
+              <a:rPr lang="th-TH" dirty="0" smtClean="0">
                 <a:latin typeface="TH Sarabun New" pitchFamily="34" charset="-34"/>
                 <a:cs typeface="TH Sarabun New" pitchFamily="34" charset="-34"/>
               </a:rPr>
               <a:t>สามารถ</a:t>
             </a:r>
             <a:r>
-              <a:rPr lang="th-TH" sz="2800" dirty="0">
+              <a:rPr lang="th-TH" dirty="0">
                 <a:latin typeface="TH Sarabun New" pitchFamily="34" charset="-34"/>
                 <a:cs typeface="TH Sarabun New" pitchFamily="34" charset="-34"/>
               </a:rPr>
               <a:t>ตรวจสอบยอดขายประจำวัน</a:t>
             </a:r>
             <a:r>
-              <a:rPr lang="th-TH" sz="2800" dirty="0" smtClean="0">
+              <a:rPr lang="th-TH" dirty="0" smtClean="0">
                 <a:latin typeface="TH Sarabun New" pitchFamily="34" charset="-34"/>
                 <a:cs typeface="TH Sarabun New" pitchFamily="34" charset="-34"/>
               </a:rPr>
@@ -7094,21 +7204,21 @@
           </a:p>
           <a:p>
             <a:r>
-              <a:rPr lang="th-TH" sz="2800" dirty="0" smtClean="0">
+              <a:rPr lang="th-TH" dirty="0" smtClean="0">
                 <a:latin typeface="TH Sarabun New" pitchFamily="34" charset="-34"/>
                 <a:cs typeface="TH Sarabun New" pitchFamily="34" charset="-34"/>
               </a:rPr>
               <a:t>สามารถ</a:t>
             </a:r>
             <a:r>
-              <a:rPr lang="th-TH" sz="2800" dirty="0">
+              <a:rPr lang="th-TH" dirty="0">
                 <a:latin typeface="TH Sarabun New" pitchFamily="34" charset="-34"/>
                 <a:cs typeface="TH Sarabun New" pitchFamily="34" charset="-34"/>
               </a:rPr>
               <a:t>จัดการรายละเอียดข้อมูล</a:t>
             </a:r>
             <a:r>
-              <a:rPr lang="th-TH" sz="2800" dirty="0" smtClean="0">
+              <a:rPr lang="th-TH" dirty="0" smtClean="0">
                 <a:latin typeface="TH Sarabun New" pitchFamily="34" charset="-34"/>
                 <a:cs typeface="TH Sarabun New" pitchFamily="34" charset="-34"/>
               </a:rPr>
@@ -7117,14 +7227,14 @@
           </a:p>
           <a:p>
             <a:r>
-              <a:rPr lang="th-TH" sz="2800" dirty="0" smtClean="0">
+              <a:rPr lang="th-TH" dirty="0" smtClean="0">
                 <a:latin typeface="TH Sarabun New" pitchFamily="34" charset="-34"/>
                 <a:cs typeface="TH Sarabun New" pitchFamily="34" charset="-34"/>
               </a:rPr>
               <a:t>สามารถ</a:t>
             </a:r>
             <a:r>
-              <a:rPr lang="th-TH" sz="2800" dirty="0">
+              <a:rPr lang="th-TH" dirty="0">
                 <a:latin typeface="TH Sarabun New" pitchFamily="34" charset="-34"/>
                 <a:cs typeface="TH Sarabun New" pitchFamily="34" charset="-34"/>
               </a:rPr>
@@ -7135,7 +7245,7 @@
             <a:pPr marL="457200" indent="-457200">
               <a:buAutoNum type="arabicPeriod" startAt="4"/>
             </a:pPr>
-            <a:endParaRPr lang="th-TH" b="1" dirty="0">
+            <a:endParaRPr lang="th-TH" sz="3600" b="1" dirty="0">
               <a:latin typeface="TH Sarabun New" pitchFamily="34" charset="-34"/>
               <a:cs typeface="TH Sarabun New" pitchFamily="34" charset="-34"/>
             </a:endParaRPr>
@@ -7215,7 +7325,7 @@
     </p:spTree>
     <p:extLst>
       <p:ext uri="{BB962C8B-B14F-4D97-AF65-F5344CB8AC3E}">
-        <p14:creationId xmlns="" xmlns:p14="http://schemas.microsoft.com/office/powerpoint/2010/main" val="2372688947"/>
+        <p14:creationId xmlns:p14="http://schemas.microsoft.com/office/powerpoint/2010/main" val="2372688947"/>
       </p:ext>
     </p:extLst>
   </p:cSld>
@@ -7259,7 +7369,12 @@
             <p:ph type="title"/>
           </p:nvPr>
         </p:nvSpPr>
-        <p:spPr/>
+        <p:spPr>
+          <a:xfrm>
+            <a:off x="457200" y="685429"/>
+            <a:ext cx="7135402" cy="862834"/>
+          </a:xfrm>
+        </p:spPr>
         <p:txBody>
           <a:bodyPr>
             <a:normAutofit fontScale="90000"/>
@@ -7723,7 +7838,7 @@
     </p:spTree>
     <p:extLst>
       <p:ext uri="{BB962C8B-B14F-4D97-AF65-F5344CB8AC3E}">
-        <p14:creationId xmlns="" xmlns:p14="http://schemas.microsoft.com/office/powerpoint/2010/main" val="2056187759"/>
+        <p14:creationId xmlns:p14="http://schemas.microsoft.com/office/powerpoint/2010/main" val="2056187759"/>
       </p:ext>
     </p:extLst>
   </p:cSld>
@@ -8150,7 +8265,7 @@
         </p:nvSpPr>
         <p:spPr>
           <a:xfrm>
-            <a:off x="457200" y="650501"/>
+            <a:off x="457200" y="698001"/>
             <a:ext cx="7135402" cy="862834"/>
           </a:xfrm>
         </p:spPr>
@@ -8213,8 +8328,8 @@
         </p:nvSpPr>
         <p:spPr>
           <a:xfrm>
-            <a:off x="2895600" y="2381693"/>
-            <a:ext cx="6248400" cy="3009704"/>
+            <a:off x="2018805" y="2339438"/>
+            <a:ext cx="7006442" cy="3182587"/>
           </a:xfrm>
         </p:spPr>
         <p:txBody>
@@ -8223,7 +8338,7 @@
           </a:bodyPr>
           <a:lstStyle/>
           <a:p>
-            <a:pPr marL="0" indent="0">
+            <a:pPr marL="0" indent="0" algn="thaiDist">
               <a:buNone/>
             </a:pPr>
             <a:r>
@@ -8327,7 +8442,7 @@
     </p:spTree>
     <p:extLst>
       <p:ext uri="{BB962C8B-B14F-4D97-AF65-F5344CB8AC3E}">
-        <p14:creationId xmlns="" xmlns:p14="http://schemas.microsoft.com/office/powerpoint/2010/main" val="2788268401"/>
+        <p14:creationId xmlns:p14="http://schemas.microsoft.com/office/powerpoint/2010/main" val="2788268401"/>
       </p:ext>
     </p:extLst>
   </p:cSld>
@@ -8373,7 +8488,7 @@
         </p:nvSpPr>
         <p:spPr>
           <a:xfrm>
-            <a:off x="2990850" y="1375541"/>
+            <a:off x="2349582" y="1130224"/>
             <a:ext cx="3019425" cy="862834"/>
           </a:xfrm>
         </p:spPr>
@@ -8414,12 +8529,12 @@
         </p:nvSpPr>
         <p:spPr>
           <a:xfrm>
-            <a:off x="2952750" y="2514600"/>
-            <a:ext cx="5895975" cy="2943225"/>
+            <a:off x="2232562" y="1959429"/>
+            <a:ext cx="6616164" cy="3498397"/>
           </a:xfrm>
         </p:spPr>
         <p:txBody>
-          <a:bodyPr>
+          <a:bodyPr anchor="ctr">
             <a:normAutofit/>
           </a:bodyPr>
           <a:lstStyle/>
@@ -8636,15 +8751,16 @@
                 <a:latin typeface="TH Sarabun New" pitchFamily="34" charset="-34"/>
                 <a:cs typeface="TH Sarabun New" pitchFamily="34" charset="-34"/>
               </a:rPr>
-              <a:t>นางสาวสุพัตรา	อินศรี</a:t>
+              <a:t>นางสาวสุพัตรา	อิน</a:t>
+            </a:r>
+            <a:r>
+              <a:rPr lang="th-TH" b="1" dirty="0" smtClean="0">
+                <a:latin typeface="TH Sarabun New" pitchFamily="34" charset="-34"/>
+                <a:cs typeface="TH Sarabun New" pitchFamily="34" charset="-34"/>
+              </a:rPr>
+              <a:t>ศรี</a:t>
             </a:r>
             <a:endParaRPr lang="en-US" b="1" dirty="0">
-              <a:latin typeface="TH Sarabun New" pitchFamily="34" charset="-34"/>
-              <a:cs typeface="TH Sarabun New" pitchFamily="34" charset="-34"/>
-            </a:endParaRPr>
-          </a:p>
-          <a:p>
-            <a:endParaRPr lang="th-TH" b="1" dirty="0">
               <a:latin typeface="TH Sarabun New" pitchFamily="34" charset="-34"/>
               <a:cs typeface="TH Sarabun New" pitchFamily="34" charset="-34"/>
             </a:endParaRPr>
@@ -8724,7 +8840,7 @@
     </p:spTree>
     <p:extLst>
       <p:ext uri="{BB962C8B-B14F-4D97-AF65-F5344CB8AC3E}">
-        <p14:creationId xmlns="" xmlns:p14="http://schemas.microsoft.com/office/powerpoint/2010/main" val="2294044414"/>
+        <p14:creationId xmlns:p14="http://schemas.microsoft.com/office/powerpoint/2010/main" val="2294044414"/>
       </p:ext>
     </p:extLst>
   </p:cSld>
@@ -8876,7 +8992,7 @@
     </p:spTree>
     <p:extLst>
       <p:ext uri="{BB962C8B-B14F-4D97-AF65-F5344CB8AC3E}">
-        <p14:creationId xmlns="" xmlns:p14="http://schemas.microsoft.com/office/powerpoint/2010/main" val="1457599202"/>
+        <p14:creationId xmlns:p14="http://schemas.microsoft.com/office/powerpoint/2010/main" val="1457599202"/>
       </p:ext>
     </p:extLst>
   </p:cSld>
@@ -9045,7 +9161,7 @@
           <a:blip r:embed="rId2" cstate="print">
             <a:extLst>
               <a:ext uri="{28A0092B-C50C-407E-A947-70E740481C1C}">
-                <a14:useLocalDpi xmlns="" xmlns:a14="http://schemas.microsoft.com/office/drawing/2010/main" val="0"/>
+                <a14:useLocalDpi xmlns:a14="http://schemas.microsoft.com/office/drawing/2010/main" val="0"/>
               </a:ext>
             </a:extLst>
           </a:blip>
@@ -9083,7 +9199,7 @@
           <a:blip r:embed="rId3">
             <a:extLst>
               <a:ext uri="{28A0092B-C50C-407E-A947-70E740481C1C}">
-                <a14:useLocalDpi xmlns="" xmlns:a14="http://schemas.microsoft.com/office/drawing/2010/main" val="0"/>
+                <a14:useLocalDpi xmlns:a14="http://schemas.microsoft.com/office/drawing/2010/main" val="0"/>
               </a:ext>
             </a:extLst>
           </a:blip>
@@ -9113,15 +9229,7 @@
           <a:effectLst>
             <a:reflection blurRad="12700" stA="38000" endPos="28000" dist="5000" dir="5400000" sy="-100000" algn="bl" rotWithShape="0"/>
           </a:effectLst>
-          <a:extLst>
-            <a:ext uri="{909E8E84-426E-40DD-AFC4-6F175D3DCCD1}">
-              <a14:hiddenFill xmlns="" xmlns:a14="http://schemas.microsoft.com/office/drawing/2010/main">
-                <a:solidFill>
-                  <a:srgbClr val="FFFFFF"/>
-                </a:solidFill>
-              </a14:hiddenFill>
-            </a:ext>
-          </a:extLst>
+          <a:extLst/>
         </p:spPr>
       </p:pic>
       <p:sp>
@@ -9197,7 +9305,7 @@
     </p:spTree>
     <p:extLst>
       <p:ext uri="{BB962C8B-B14F-4D97-AF65-F5344CB8AC3E}">
-        <p14:creationId xmlns="" xmlns:p14="http://schemas.microsoft.com/office/powerpoint/2010/main" val="3283035814"/>
+        <p14:creationId xmlns:p14="http://schemas.microsoft.com/office/powerpoint/2010/main" val="3283035814"/>
       </p:ext>
     </p:extLst>
   </p:cSld>
@@ -9493,7 +9601,7 @@
     </p:spTree>
     <p:extLst>
       <p:ext uri="{BB962C8B-B14F-4D97-AF65-F5344CB8AC3E}">
-        <p14:creationId xmlns="" xmlns:p14="http://schemas.microsoft.com/office/powerpoint/2010/main" val="2393959554"/>
+        <p14:creationId xmlns:p14="http://schemas.microsoft.com/office/powerpoint/2010/main" val="2393959554"/>
       </p:ext>
     </p:extLst>
   </p:cSld>
@@ -9568,7 +9676,7 @@
           <a:blip r:embed="rId2" cstate="print">
             <a:extLst>
               <a:ext uri="{28A0092B-C50C-407E-A947-70E740481C1C}">
-                <a14:useLocalDpi xmlns="" xmlns:a14="http://schemas.microsoft.com/office/drawing/2010/main" val="0"/>
+                <a14:useLocalDpi xmlns:a14="http://schemas.microsoft.com/office/drawing/2010/main" val="0"/>
               </a:ext>
             </a:extLst>
           </a:blip>
@@ -9703,7 +9811,7 @@
     </p:spTree>
     <p:extLst>
       <p:ext uri="{BB962C8B-B14F-4D97-AF65-F5344CB8AC3E}">
-        <p14:creationId xmlns="" xmlns:p14="http://schemas.microsoft.com/office/powerpoint/2010/main" val="2801088946"/>
+        <p14:creationId xmlns:p14="http://schemas.microsoft.com/office/powerpoint/2010/main" val="2801088946"/>
       </p:ext>
     </p:extLst>
   </p:cSld>
@@ -9850,7 +9958,7 @@
     </p:spTree>
     <p:extLst>
       <p:ext uri="{BB962C8B-B14F-4D97-AF65-F5344CB8AC3E}">
-        <p14:creationId xmlns="" xmlns:p14="http://schemas.microsoft.com/office/powerpoint/2010/main" val="827873140"/>
+        <p14:creationId xmlns:p14="http://schemas.microsoft.com/office/powerpoint/2010/main" val="827873140"/>
       </p:ext>
     </p:extLst>
   </p:cSld>
@@ -9894,12 +10002,7 @@
             <p:ph type="title"/>
           </p:nvPr>
         </p:nvSpPr>
-        <p:spPr>
-          <a:xfrm>
-            <a:off x="133636" y="622024"/>
-            <a:ext cx="7969348" cy="851885"/>
-          </a:xfrm>
-        </p:spPr>
+        <p:spPr/>
         <p:txBody>
           <a:bodyPr>
             <a:noAutofit/>
@@ -9933,18 +10036,13 @@
             <a:spLocks noGrp="1"/>
           </p:cNvSpPr>
           <p:nvPr>
-            <p:ph sz="half" idx="1"/>
-          </p:nvPr>
-        </p:nvSpPr>
-        <p:spPr>
-          <a:xfrm>
-            <a:off x="965584" y="1701800"/>
-            <a:ext cx="7467600" cy="4525963"/>
-          </a:xfrm>
-        </p:spPr>
+            <p:ph idx="1"/>
+          </p:nvPr>
+        </p:nvSpPr>
+        <p:spPr/>
         <p:txBody>
           <a:bodyPr>
-            <a:normAutofit fontScale="85000" lnSpcReduction="10000"/>
+            <a:normAutofit fontScale="92500" lnSpcReduction="10000"/>
           </a:bodyPr>
           <a:lstStyle/>
           <a:p>
@@ -10107,29 +10205,6 @@
       </p:sp>
       <p:sp>
         <p:nvSpPr>
-          <p:cNvPr id="3" name="Footer Placeholder 2"/>
-          <p:cNvSpPr>
-            <a:spLocks noGrp="1"/>
-          </p:cNvSpPr>
-          <p:nvPr>
-            <p:ph type="ftr" sz="quarter" idx="11"/>
-          </p:nvPr>
-        </p:nvSpPr>
-        <p:spPr/>
-        <p:txBody>
-          <a:bodyPr/>
-          <a:lstStyle/>
-          <a:p>
-            <a:r>
-              <a:rPr lang="th-TH" smtClean="0"/>
-              <a:t>ระบบบริหารจัดการศูนย์ออกกำลังกาย</a:t>
-            </a:r>
-            <a:endParaRPr lang="en-US"/>
-          </a:p>
-        </p:txBody>
-      </p:sp>
-      <p:sp>
-        <p:nvSpPr>
           <p:cNvPr id="5" name="Slide Number Placeholder 4"/>
           <p:cNvSpPr>
             <a:spLocks noGrp="1"/>
@@ -10152,10 +10227,33 @@
           </a:p>
         </p:txBody>
       </p:sp>
+      <p:sp>
+        <p:nvSpPr>
+          <p:cNvPr id="3" name="Footer Placeholder 2"/>
+          <p:cNvSpPr>
+            <a:spLocks noGrp="1"/>
+          </p:cNvSpPr>
+          <p:nvPr>
+            <p:ph type="ftr" sz="quarter" idx="3"/>
+          </p:nvPr>
+        </p:nvSpPr>
+        <p:spPr/>
+        <p:txBody>
+          <a:bodyPr/>
+          <a:lstStyle/>
+          <a:p>
+            <a:r>
+              <a:rPr lang="th-TH" smtClean="0"/>
+              <a:t>ระบบบริหารจัดการศูนย์ออกกำลังกาย</a:t>
+            </a:r>
+            <a:endParaRPr lang="en-US"/>
+          </a:p>
+        </p:txBody>
+      </p:sp>
     </p:spTree>
     <p:extLst>
       <p:ext uri="{BB962C8B-B14F-4D97-AF65-F5344CB8AC3E}">
-        <p14:creationId xmlns="" xmlns:p14="http://schemas.microsoft.com/office/powerpoint/2010/main" val="1924526975"/>
+        <p14:creationId xmlns:p14="http://schemas.microsoft.com/office/powerpoint/2010/main" val="1924526975"/>
       </p:ext>
     </p:extLst>
   </p:cSld>
@@ -10666,20 +10764,20 @@
     </p:spTree>
     <p:extLst>
       <p:ext uri="{BB962C8B-B14F-4D97-AF65-F5344CB8AC3E}">
-        <p14:creationId xmlns="" xmlns:p14="http://schemas.microsoft.com/office/powerpoint/2010/main" val="3590873766"/>
+        <p14:creationId xmlns:p14="http://schemas.microsoft.com/office/powerpoint/2010/main" val="3590873766"/>
       </p:ext>
     </p:extLst>
   </p:cSld>
   <p:clrMapOvr>
     <a:masterClrMapping/>
   </p:clrMapOvr>
-  <mc:AlternateContent xmlns:mc="http://schemas.openxmlformats.org/markup-compatibility/2006">
-    <mc:Choice xmlns="" xmlns:p14="http://schemas.microsoft.com/office/powerpoint/2010/main" Requires="p14">
+  <mc:AlternateContent xmlns:mc="http://schemas.openxmlformats.org/markup-compatibility/2006" xmlns:p14="http://schemas.microsoft.com/office/powerpoint/2010/main">
+    <mc:Choice Requires="p14">
       <p:transition spd="slow" p14:dur="800">
         <p:circle/>
       </p:transition>
     </mc:Choice>
-    <mc:Fallback>
+    <mc:Fallback xmlns="">
       <p:transition spd="slow">
         <p:circle/>
       </p:transition>
@@ -11357,7 +11455,7 @@
     </p:spTree>
     <p:extLst>
       <p:ext uri="{BB962C8B-B14F-4D97-AF65-F5344CB8AC3E}">
-        <p14:creationId xmlns="" xmlns:p14="http://schemas.microsoft.com/office/powerpoint/2010/main" val="1563906302"/>
+        <p14:creationId xmlns:p14="http://schemas.microsoft.com/office/powerpoint/2010/main" val="1563906302"/>
       </p:ext>
     </p:extLst>
   </p:cSld>
@@ -11502,8 +11600,8 @@
         </p:nvSpPr>
         <p:spPr>
           <a:xfrm>
-            <a:off x="2895600" y="1600200"/>
-            <a:ext cx="5975268" cy="4525963"/>
+            <a:off x="2303813" y="1600200"/>
+            <a:ext cx="6567055" cy="4525963"/>
           </a:xfrm>
           <a:prstGeom prst="rect">
             <a:avLst/>
@@ -11605,14 +11703,7 @@
                 <a:latin typeface="TH Sarabun New" pitchFamily="34" charset="-34"/>
                 <a:cs typeface="TH Sarabun New" pitchFamily="34" charset="-34"/>
               </a:rPr>
-              <a:t> (User Authentication</a:t>
-            </a:r>
-            <a:r>
-              <a:rPr lang="en-US" sz="2800" dirty="0" smtClean="0">
-                <a:latin typeface="TH Sarabun New" pitchFamily="34" charset="-34"/>
-                <a:cs typeface="TH Sarabun New" pitchFamily="34" charset="-34"/>
-              </a:rPr>
-              <a:t>)</a:t>
+              <a:t> (User Authentication)</a:t>
             </a:r>
             <a:endParaRPr kumimoji="0" lang="th-TH" sz="2800" b="0" i="0" u="none" strike="noStrike" kern="1200" cap="none" spc="0" normalizeH="0" baseline="0" noProof="0" dirty="0" smtClean="0">
               <a:ln>
@@ -11842,7 +11933,7 @@
     </p:spTree>
     <p:extLst>
       <p:ext uri="{BB962C8B-B14F-4D97-AF65-F5344CB8AC3E}">
-        <p14:creationId xmlns="" xmlns:p14="http://schemas.microsoft.com/office/powerpoint/2010/main" val="4011250145"/>
+        <p14:creationId xmlns:p14="http://schemas.microsoft.com/office/powerpoint/2010/main" val="4011250145"/>
       </p:ext>
     </p:extLst>
   </p:cSld>
@@ -11994,8 +12085,8 @@
         </p:nvSpPr>
         <p:spPr>
           <a:xfrm>
-            <a:off x="2895600" y="1600200"/>
-            <a:ext cx="5486400" cy="4525963"/>
+            <a:off x="2303813" y="1600200"/>
+            <a:ext cx="6078187" cy="4525963"/>
           </a:xfrm>
           <a:prstGeom prst="rect">
             <a:avLst/>
@@ -12060,7 +12151,21 @@
                 <a:latin typeface="TH Sarabun New" pitchFamily="34" charset="-34"/>
                 <a:cs typeface="TH Sarabun New" pitchFamily="34" charset="-34"/>
               </a:rPr>
-              <a:t>พัฒนาระบบระบบจัดการสมาชิก</a:t>
+              <a:t>พัฒนา</a:t>
+            </a:r>
+            <a:r>
+              <a:rPr lang="th-TH" sz="2800" dirty="0" smtClean="0">
+                <a:latin typeface="TH Sarabun New" pitchFamily="34" charset="-34"/>
+                <a:cs typeface="TH Sarabun New" pitchFamily="34" charset="-34"/>
+              </a:rPr>
+              <a:t>ระบบจัดการ</a:t>
+            </a:r>
+            <a:r>
+              <a:rPr lang="th-TH" sz="2800" dirty="0" smtClean="0">
+                <a:latin typeface="TH Sarabun New" pitchFamily="34" charset="-34"/>
+                <a:cs typeface="TH Sarabun New" pitchFamily="34" charset="-34"/>
+              </a:rPr>
+              <a:t>สมาชิก</a:t>
             </a:r>
             <a:endParaRPr kumimoji="0" lang="th-TH" sz="2800" b="0" i="0" u="none" strike="noStrike" kern="1200" cap="none" spc="0" normalizeH="0" baseline="0" noProof="0" dirty="0" smtClean="0">
               <a:ln>
@@ -12312,7 +12417,7 @@
     </p:spTree>
     <p:extLst>
       <p:ext uri="{BB962C8B-B14F-4D97-AF65-F5344CB8AC3E}">
-        <p14:creationId xmlns="" xmlns:p14="http://schemas.microsoft.com/office/powerpoint/2010/main" val="3245392236"/>
+        <p14:creationId xmlns:p14="http://schemas.microsoft.com/office/powerpoint/2010/main" val="3245392236"/>
       </p:ext>
     </p:extLst>
   </p:cSld>
@@ -12330,7 +12435,7 @@
 </file>
 
 <file path=ppt/slides/slide3.xml><?xml version="1.0" encoding="utf-8"?>
-<p:sld xmlns:a="http://schemas.openxmlformats.org/drawingml/2006/main" xmlns:r="http://schemas.openxmlformats.org/officeDocument/2006/relationships" xmlns:p="http://schemas.openxmlformats.org/presentationml/2006/main" show="0">
+<p:sld xmlns:a="http://schemas.openxmlformats.org/drawingml/2006/main" xmlns:r="http://schemas.openxmlformats.org/officeDocument/2006/relationships" xmlns:p="http://schemas.openxmlformats.org/presentationml/2006/main">
   <p:cSld>
     <p:spTree>
       <p:nvGrpSpPr>
@@ -12389,12 +12494,12 @@
         </p:nvSpPr>
         <p:spPr>
           <a:xfrm>
-            <a:off x="2931537" y="1805049"/>
-            <a:ext cx="5381190" cy="3631019"/>
+            <a:off x="1579418" y="1678895"/>
+            <a:ext cx="6733309" cy="4018431"/>
           </a:xfrm>
         </p:spPr>
         <p:txBody>
-          <a:bodyPr/>
+          <a:bodyPr anchor="ctr"/>
           <a:lstStyle/>
           <a:p>
             <a:r>
@@ -12529,18 +12634,18 @@
     </p:spTree>
     <p:extLst>
       <p:ext uri="{BB962C8B-B14F-4D97-AF65-F5344CB8AC3E}">
-        <p14:creationId xmlns="" xmlns:p14="http://schemas.microsoft.com/office/powerpoint/2010/main" val="2642334535"/>
+        <p14:creationId xmlns:p14="http://schemas.microsoft.com/office/powerpoint/2010/main" val="2642334535"/>
       </p:ext>
     </p:extLst>
   </p:cSld>
   <p:clrMapOvr>
     <a:masterClrMapping/>
   </p:clrMapOvr>
-  <mc:AlternateContent xmlns:mc="http://schemas.openxmlformats.org/markup-compatibility/2006">
-    <mc:Choice xmlns="" xmlns:p14="http://schemas.microsoft.com/office/powerpoint/2010/main" Requires="p14">
+  <mc:AlternateContent xmlns:mc="http://schemas.openxmlformats.org/markup-compatibility/2006" xmlns:p14="http://schemas.microsoft.com/office/powerpoint/2010/main">
+    <mc:Choice Requires="p14">
       <p:transition spd="slow" p14:dur="2000"/>
     </mc:Choice>
-    <mc:Fallback>
+    <mc:Fallback xmlns="">
       <p:transition spd="slow"/>
     </mc:Fallback>
   </mc:AlternateContent>
@@ -12621,8 +12726,8 @@
         </p:nvSpPr>
         <p:spPr>
           <a:xfrm>
-            <a:off x="2895600" y="1600200"/>
-            <a:ext cx="5486400" cy="4525963"/>
+            <a:off x="2280062" y="1600200"/>
+            <a:ext cx="6101938" cy="4525963"/>
           </a:xfrm>
         </p:spPr>
         <p:txBody>
@@ -12652,8 +12757,26 @@
                 <a:latin typeface="TH Sarabun New" pitchFamily="34" charset="-34"/>
                 <a:cs typeface="TH Sarabun New" pitchFamily="34" charset="-34"/>
               </a:rPr>
-              <a:t>พัฒนาระบบจัดการชั้นเรียนและระบบประเมินเป้าหมายยอดขาย</a:t>
-            </a:r>
+              <a:t>ระบบ</a:t>
+            </a:r>
+            <a:r>
+              <a:rPr lang="th-TH" dirty="0" smtClean="0">
+                <a:latin typeface="TH Sarabun New" pitchFamily="34" charset="-34"/>
+                <a:cs typeface="TH Sarabun New" pitchFamily="34" charset="-34"/>
+              </a:rPr>
+              <a:t>จัดการชั้น</a:t>
+            </a:r>
+            <a:r>
+              <a:rPr lang="th-TH" dirty="0" smtClean="0">
+                <a:latin typeface="TH Sarabun New" pitchFamily="34" charset="-34"/>
+                <a:cs typeface="TH Sarabun New" pitchFamily="34" charset="-34"/>
+              </a:rPr>
+              <a:t>เรียน</a:t>
+            </a:r>
+            <a:endParaRPr lang="th-TH" dirty="0">
+              <a:latin typeface="TH Sarabun New" pitchFamily="34" charset="-34"/>
+              <a:cs typeface="TH Sarabun New" pitchFamily="34" charset="-34"/>
+            </a:endParaRPr>
           </a:p>
           <a:p>
             <a:pPr marL="615950" lvl="1" indent="-457200">
@@ -12665,7 +12788,14 @@
                 <a:latin typeface="TH Sarabun New" pitchFamily="34" charset="-34"/>
                 <a:cs typeface="TH Sarabun New" pitchFamily="34" charset="-34"/>
               </a:rPr>
-              <a:t>วิธีการเก็บรายละเอียดความต้องการ</a:t>
+              <a:t>ระบบ</a:t>
+            </a:r>
+            <a:r>
+              <a:rPr lang="th-TH" dirty="0" smtClean="0">
+                <a:latin typeface="TH Sarabun New" pitchFamily="34" charset="-34"/>
+                <a:cs typeface="TH Sarabun New" pitchFamily="34" charset="-34"/>
+              </a:rPr>
+              <a:t>ประเมินเป้าหมายยอดขาย</a:t>
             </a:r>
           </a:p>
           <a:p>
@@ -12817,7 +12947,7 @@
     </p:spTree>
     <p:extLst>
       <p:ext uri="{BB962C8B-B14F-4D97-AF65-F5344CB8AC3E}">
-        <p14:creationId xmlns="" xmlns:p14="http://schemas.microsoft.com/office/powerpoint/2010/main" val="2803192104"/>
+        <p14:creationId xmlns:p14="http://schemas.microsoft.com/office/powerpoint/2010/main" val="2803192104"/>
       </p:ext>
     </p:extLst>
   </p:cSld>
@@ -12901,8 +13031,8 @@
         </p:nvSpPr>
         <p:spPr>
           <a:xfrm>
-            <a:off x="2895600" y="1600200"/>
-            <a:ext cx="5486400" cy="4525963"/>
+            <a:off x="2291938" y="1600200"/>
+            <a:ext cx="6090062" cy="4525963"/>
           </a:xfrm>
         </p:spPr>
         <p:txBody>
@@ -12932,27 +13062,21 @@
                 <a:latin typeface="TH Sarabun New" pitchFamily="34" charset="-34"/>
                 <a:cs typeface="TH Sarabun New" pitchFamily="34" charset="-34"/>
               </a:rPr>
-              <a:t>พัฒนาระบบออกรายงาน</a:t>
-            </a:r>
-          </a:p>
-          <a:p>
-            <a:pPr marL="622300" lvl="1" indent="-444500">
-              <a:buFont typeface="Wingdings" pitchFamily="2" charset="2"/>
-              <a:buChar char="v"/>
-            </a:pPr>
+              <a:t>ระบบ</a:t>
+            </a:r>
             <a:r>
               <a:rPr lang="th-TH" dirty="0" smtClean="0">
                 <a:latin typeface="TH Sarabun New" pitchFamily="34" charset="-34"/>
                 <a:cs typeface="TH Sarabun New" pitchFamily="34" charset="-34"/>
               </a:rPr>
-              <a:t>วิธีการเก็บรายละเอียดความต้องการ</a:t>
-            </a:r>
-          </a:p>
-          <a:p>
-            <a:pPr lvl="1" indent="-342900">
+              <a:t>ออกรายงาน</a:t>
+            </a:r>
+          </a:p>
+          <a:p>
+            <a:pPr>
               <a:buNone/>
             </a:pPr>
-            <a:endParaRPr lang="th-TH" dirty="0" smtClean="0">
+            <a:endParaRPr lang="th-TH" sz="2800" b="1" dirty="0" smtClean="0">
               <a:latin typeface="TH Sarabun New" pitchFamily="34" charset="-34"/>
               <a:cs typeface="TH Sarabun New" pitchFamily="34" charset="-34"/>
             </a:endParaRPr>
@@ -13097,7 +13221,7 @@
     </p:spTree>
     <p:extLst>
       <p:ext uri="{BB962C8B-B14F-4D97-AF65-F5344CB8AC3E}">
-        <p14:creationId xmlns="" xmlns:p14="http://schemas.microsoft.com/office/powerpoint/2010/main" val="3938794379"/>
+        <p14:creationId xmlns:p14="http://schemas.microsoft.com/office/powerpoint/2010/main" val="3938794379"/>
       </p:ext>
     </p:extLst>
   </p:cSld>
@@ -13141,7 +13265,7 @@
           <a:blip r:embed="rId2" cstate="print">
             <a:extLst>
               <a:ext uri="{28A0092B-C50C-407E-A947-70E740481C1C}">
-                <a14:useLocalDpi xmlns="" xmlns:a14="http://schemas.microsoft.com/office/drawing/2010/main" val="0"/>
+                <a14:useLocalDpi xmlns:a14="http://schemas.microsoft.com/office/drawing/2010/main" val="0"/>
               </a:ext>
             </a:extLst>
           </a:blip>
@@ -13164,7 +13288,7 @@
           </a:ln>
           <a:extLst>
             <a:ext uri="{53640926-AAD7-44D8-BBD7-CCE9431645EC}">
-              <a14:shadowObscured xmlns="" xmlns:a14="http://schemas.microsoft.com/office/drawing/2010/main"/>
+              <a14:shadowObscured xmlns:a14="http://schemas.microsoft.com/office/drawing/2010/main"/>
             </a:ext>
           </a:extLst>
         </p:spPr>
@@ -13329,7 +13453,7 @@
     </p:spTree>
     <p:extLst>
       <p:ext uri="{BB962C8B-B14F-4D97-AF65-F5344CB8AC3E}">
-        <p14:creationId xmlns="" xmlns:p14="http://schemas.microsoft.com/office/powerpoint/2010/main" val="2788163679"/>
+        <p14:creationId xmlns:p14="http://schemas.microsoft.com/office/powerpoint/2010/main" val="2788163679"/>
       </p:ext>
     </p:extLst>
   </p:cSld>
@@ -13677,7 +13801,7 @@
     </p:spTree>
     <p:extLst>
       <p:ext uri="{BB962C8B-B14F-4D97-AF65-F5344CB8AC3E}">
-        <p14:creationId xmlns="" xmlns:p14="http://schemas.microsoft.com/office/powerpoint/2010/main" val="4050147286"/>
+        <p14:creationId xmlns:p14="http://schemas.microsoft.com/office/powerpoint/2010/main" val="4050147286"/>
       </p:ext>
     </p:extLst>
   </p:cSld>
@@ -13891,7 +14015,7 @@
     </p:spTree>
     <p:extLst>
       <p:ext uri="{BB962C8B-B14F-4D97-AF65-F5344CB8AC3E}">
-        <p14:creationId xmlns="" xmlns:p14="http://schemas.microsoft.com/office/powerpoint/2010/main" val="1599187974"/>
+        <p14:creationId xmlns:p14="http://schemas.microsoft.com/office/powerpoint/2010/main" val="1599187974"/>
       </p:ext>
     </p:extLst>
   </p:cSld>
@@ -14489,7 +14613,7 @@
     </p:spTree>
     <p:extLst>
       <p:ext uri="{BB962C8B-B14F-4D97-AF65-F5344CB8AC3E}">
-        <p14:creationId xmlns="" xmlns:p14="http://schemas.microsoft.com/office/powerpoint/2010/main" val="3835429473"/>
+        <p14:creationId xmlns:p14="http://schemas.microsoft.com/office/powerpoint/2010/main" val="3835429473"/>
       </p:ext>
     </p:extLst>
   </p:cSld>
@@ -14899,7 +15023,7 @@
     </p:spTree>
     <p:extLst>
       <p:ext uri="{BB962C8B-B14F-4D97-AF65-F5344CB8AC3E}">
-        <p14:creationId xmlns="" xmlns:p14="http://schemas.microsoft.com/office/powerpoint/2010/main" val="4131863225"/>
+        <p14:creationId xmlns:p14="http://schemas.microsoft.com/office/powerpoint/2010/main" val="4131863225"/>
       </p:ext>
     </p:extLst>
   </p:cSld>
@@ -14945,7 +15069,7 @@
           <a:blip r:embed="rId2">
             <a:extLst>
               <a:ext uri="{28A0092B-C50C-407E-A947-70E740481C1C}">
-                <a14:useLocalDpi xmlns="" xmlns:a14="http://schemas.microsoft.com/office/drawing/2010/main" val="0"/>
+                <a14:useLocalDpi xmlns:a14="http://schemas.microsoft.com/office/drawing/2010/main" val="0"/>
               </a:ext>
             </a:extLst>
           </a:blip>
@@ -14970,7 +15094,7 @@
           </a:effectLst>
           <a:extLst>
             <a:ext uri="{909E8E84-426E-40DD-AFC4-6F175D3DCCD1}">
-              <a14:hiddenFill xmlns="" xmlns:a14="http://schemas.microsoft.com/office/drawing/2010/main">
+              <a14:hiddenFill xmlns:a14="http://schemas.microsoft.com/office/drawing/2010/main">
                 <a:solidFill>
                   <a:srgbClr val="FFFFFF"/>
                 </a:solidFill>
@@ -15052,7 +15176,7 @@
     </p:spTree>
     <p:extLst>
       <p:ext uri="{BB962C8B-B14F-4D97-AF65-F5344CB8AC3E}">
-        <p14:creationId xmlns="" xmlns:p14="http://schemas.microsoft.com/office/powerpoint/2010/main" val="1720105912"/>
+        <p14:creationId xmlns:p14="http://schemas.microsoft.com/office/powerpoint/2010/main" val="1720105912"/>
       </p:ext>
     </p:extLst>
   </p:cSld>
@@ -15099,7 +15223,7 @@
             <a:lum bright="70000" contrast="-70000"/>
             <a:extLst>
               <a:ext uri="{28A0092B-C50C-407E-A947-70E740481C1C}">
-                <a14:useLocalDpi xmlns="" xmlns:a14="http://schemas.microsoft.com/office/drawing/2010/main" val="0"/>
+                <a14:useLocalDpi xmlns:a14="http://schemas.microsoft.com/office/drawing/2010/main" val="0"/>
               </a:ext>
             </a:extLst>
           </a:blip>
@@ -15119,7 +15243,7 @@
           <a:noFill/>
           <a:extLst>
             <a:ext uri="{909E8E84-426E-40DD-AFC4-6F175D3DCCD1}">
-              <a14:hiddenFill xmlns="" xmlns:a14="http://schemas.microsoft.com/office/drawing/2010/main">
+              <a14:hiddenFill xmlns:a14="http://schemas.microsoft.com/office/drawing/2010/main">
                 <a:solidFill>
                   <a:srgbClr val="FFFFFF"/>
                 </a:solidFill>
@@ -15247,7 +15371,7 @@
     </p:spTree>
     <p:extLst>
       <p:ext uri="{BB962C8B-B14F-4D97-AF65-F5344CB8AC3E}">
-        <p14:creationId xmlns="" xmlns:p14="http://schemas.microsoft.com/office/powerpoint/2010/main" val="1854504796"/>
+        <p14:creationId xmlns:p14="http://schemas.microsoft.com/office/powerpoint/2010/main" val="1854504796"/>
       </p:ext>
     </p:extLst>
   </p:cSld>
@@ -15293,7 +15417,7 @@
           <a:blip r:embed="rId3">
             <a:extLst>
               <a:ext uri="{BEBA8EAE-BF5A-486C-A8C5-ECC9F3942E4B}">
-                <a14:imgProps xmlns="" xmlns:a14="http://schemas.microsoft.com/office/drawing/2010/main">
+                <a14:imgProps xmlns:a14="http://schemas.microsoft.com/office/drawing/2010/main">
                   <a14:imgLayer r:embed="rId4">
                     <a14:imgEffect>
                       <a14:saturation sat="66000"/>
@@ -15305,7 +15429,7 @@
                 </a14:imgProps>
               </a:ext>
               <a:ext uri="{28A0092B-C50C-407E-A947-70E740481C1C}">
-                <a14:useLocalDpi xmlns="" xmlns:a14="http://schemas.microsoft.com/office/drawing/2010/main" val="0"/>
+                <a14:useLocalDpi xmlns:a14="http://schemas.microsoft.com/office/drawing/2010/main" val="0"/>
               </a:ext>
             </a:extLst>
           </a:blip>
@@ -15338,7 +15462,7 @@
           <a:blip r:embed="rId5">
             <a:extLst>
               <a:ext uri="{BEBA8EAE-BF5A-486C-A8C5-ECC9F3942E4B}">
-                <a14:imgProps xmlns="" xmlns:a14="http://schemas.microsoft.com/office/drawing/2010/main">
+                <a14:imgProps xmlns:a14="http://schemas.microsoft.com/office/drawing/2010/main">
                   <a14:imgLayer r:embed="rId6">
                     <a14:imgEffect>
                       <a14:saturation sat="66000"/>
@@ -15350,7 +15474,7 @@
                 </a14:imgProps>
               </a:ext>
               <a:ext uri="{28A0092B-C50C-407E-A947-70E740481C1C}">
-                <a14:useLocalDpi xmlns="" xmlns:a14="http://schemas.microsoft.com/office/drawing/2010/main" val="0"/>
+                <a14:useLocalDpi xmlns:a14="http://schemas.microsoft.com/office/drawing/2010/main" val="0"/>
               </a:ext>
             </a:extLst>
           </a:blip>
@@ -15617,7 +15741,7 @@
     </p:spTree>
     <p:extLst>
       <p:ext uri="{BB962C8B-B14F-4D97-AF65-F5344CB8AC3E}">
-        <p14:creationId xmlns="" xmlns:p14="http://schemas.microsoft.com/office/powerpoint/2010/main" val="775329828"/>
+        <p14:creationId xmlns:p14="http://schemas.microsoft.com/office/powerpoint/2010/main" val="775329828"/>
       </p:ext>
     </p:extLst>
   </p:cSld>
@@ -15745,7 +15869,7 @@
           <a:blip r:embed="rId2">
             <a:extLst>
               <a:ext uri="{28A0092B-C50C-407E-A947-70E740481C1C}">
-                <a14:useLocalDpi xmlns="" xmlns:a14="http://schemas.microsoft.com/office/drawing/2010/main" val="0"/>
+                <a14:useLocalDpi xmlns:a14="http://schemas.microsoft.com/office/drawing/2010/main" val="0"/>
               </a:ext>
             </a:extLst>
           </a:blip>
@@ -15765,7 +15889,7 @@
           <a:noFill/>
           <a:extLst>
             <a:ext uri="{909E8E84-426E-40DD-AFC4-6F175D3DCCD1}">
-              <a14:hiddenFill xmlns="" xmlns:a14="http://schemas.microsoft.com/office/drawing/2010/main">
+              <a14:hiddenFill xmlns:a14="http://schemas.microsoft.com/office/drawing/2010/main">
                 <a:solidFill>
                   <a:srgbClr val="FFFFFF"/>
                 </a:solidFill>
@@ -15786,7 +15910,7 @@
           <a:blip r:embed="rId3">
             <a:extLst>
               <a:ext uri="{28A0092B-C50C-407E-A947-70E740481C1C}">
-                <a14:useLocalDpi xmlns="" xmlns:a14="http://schemas.microsoft.com/office/drawing/2010/main" val="0"/>
+                <a14:useLocalDpi xmlns:a14="http://schemas.microsoft.com/office/drawing/2010/main" val="0"/>
               </a:ext>
             </a:extLst>
           </a:blip>
@@ -15806,7 +15930,7 @@
           <a:noFill/>
           <a:extLst>
             <a:ext uri="{909E8E84-426E-40DD-AFC4-6F175D3DCCD1}">
-              <a14:hiddenFill xmlns="" xmlns:a14="http://schemas.microsoft.com/office/drawing/2010/main">
+              <a14:hiddenFill xmlns:a14="http://schemas.microsoft.com/office/drawing/2010/main">
                 <a:solidFill>
                   <a:srgbClr val="FFFFFF"/>
                 </a:solidFill>
@@ -15865,7 +15989,7 @@
           <a:blip r:embed="rId4">
             <a:extLst>
               <a:ext uri="{28A0092B-C50C-407E-A947-70E740481C1C}">
-                <a14:useLocalDpi xmlns="" xmlns:a14="http://schemas.microsoft.com/office/drawing/2010/main" val="0"/>
+                <a14:useLocalDpi xmlns:a14="http://schemas.microsoft.com/office/drawing/2010/main" val="0"/>
               </a:ext>
             </a:extLst>
           </a:blip>
@@ -15885,7 +16009,7 @@
           <a:noFill/>
           <a:extLst>
             <a:ext uri="{909E8E84-426E-40DD-AFC4-6F175D3DCCD1}">
-              <a14:hiddenFill xmlns="" xmlns:a14="http://schemas.microsoft.com/office/drawing/2010/main">
+              <a14:hiddenFill xmlns:a14="http://schemas.microsoft.com/office/drawing/2010/main">
                 <a:solidFill>
                   <a:srgbClr val="FFFFFF"/>
                 </a:solidFill>
@@ -15944,7 +16068,7 @@
           <a:blip r:embed="rId5">
             <a:extLst>
               <a:ext uri="{28A0092B-C50C-407E-A947-70E740481C1C}">
-                <a14:useLocalDpi xmlns="" xmlns:a14="http://schemas.microsoft.com/office/drawing/2010/main" val="0"/>
+                <a14:useLocalDpi xmlns:a14="http://schemas.microsoft.com/office/drawing/2010/main" val="0"/>
               </a:ext>
             </a:extLst>
           </a:blip>
@@ -15964,7 +16088,7 @@
           <a:noFill/>
           <a:extLst>
             <a:ext uri="{909E8E84-426E-40DD-AFC4-6F175D3DCCD1}">
-              <a14:hiddenFill xmlns="" xmlns:a14="http://schemas.microsoft.com/office/drawing/2010/main">
+              <a14:hiddenFill xmlns:a14="http://schemas.microsoft.com/office/drawing/2010/main">
                 <a:solidFill>
                   <a:srgbClr val="FFFFFF"/>
                 </a:solidFill>
@@ -16061,7 +16185,7 @@
           <a:blip r:embed="rId6">
             <a:extLst>
               <a:ext uri="{28A0092B-C50C-407E-A947-70E740481C1C}">
-                <a14:useLocalDpi xmlns="" xmlns:a14="http://schemas.microsoft.com/office/drawing/2010/main" val="0"/>
+                <a14:useLocalDpi xmlns:a14="http://schemas.microsoft.com/office/drawing/2010/main" val="0"/>
               </a:ext>
             </a:extLst>
           </a:blip>
@@ -16081,7 +16205,7 @@
           <a:noFill/>
           <a:extLst>
             <a:ext uri="{909E8E84-426E-40DD-AFC4-6F175D3DCCD1}">
-              <a14:hiddenFill xmlns="" xmlns:a14="http://schemas.microsoft.com/office/drawing/2010/main">
+              <a14:hiddenFill xmlns:a14="http://schemas.microsoft.com/office/drawing/2010/main">
                 <a:solidFill>
                   <a:srgbClr val="FFFFFF"/>
                 </a:solidFill>
@@ -16163,18 +16287,18 @@
     </p:spTree>
     <p:extLst>
       <p:ext uri="{BB962C8B-B14F-4D97-AF65-F5344CB8AC3E}">
-        <p14:creationId xmlns="" xmlns:p14="http://schemas.microsoft.com/office/powerpoint/2010/main" val="42369053"/>
+        <p14:creationId xmlns:p14="http://schemas.microsoft.com/office/powerpoint/2010/main" val="42369053"/>
       </p:ext>
     </p:extLst>
   </p:cSld>
   <p:clrMapOvr>
     <a:masterClrMapping/>
   </p:clrMapOvr>
-  <mc:AlternateContent xmlns:mc="http://schemas.openxmlformats.org/markup-compatibility/2006">
-    <mc:Choice xmlns="" xmlns:p14="http://schemas.microsoft.com/office/powerpoint/2010/main" Requires="p14">
+  <mc:AlternateContent xmlns:mc="http://schemas.openxmlformats.org/markup-compatibility/2006" xmlns:p14="http://schemas.microsoft.com/office/powerpoint/2010/main">
+    <mc:Choice Requires="p14">
       <p:transition p14:dur="0"/>
     </mc:Choice>
-    <mc:Fallback>
+    <mc:Fallback xmlns="">
       <p:transition/>
     </mc:Fallback>
   </mc:AlternateContent>
@@ -16913,7 +17037,7 @@
     </p:spTree>
     <p:extLst>
       <p:ext uri="{BB962C8B-B14F-4D97-AF65-F5344CB8AC3E}">
-        <p14:creationId xmlns="" xmlns:p14="http://schemas.microsoft.com/office/powerpoint/2010/main" val="4130358869"/>
+        <p14:creationId xmlns:p14="http://schemas.microsoft.com/office/powerpoint/2010/main" val="4130358869"/>
       </p:ext>
     </p:extLst>
   </p:cSld>
@@ -17034,7 +17158,7 @@
           <a:blip r:embed="rId2">
             <a:extLst>
               <a:ext uri="{28A0092B-C50C-407E-A947-70E740481C1C}">
-                <a14:useLocalDpi xmlns="" xmlns:a14="http://schemas.microsoft.com/office/drawing/2010/main" val="0"/>
+                <a14:useLocalDpi xmlns:a14="http://schemas.microsoft.com/office/drawing/2010/main" val="0"/>
               </a:ext>
             </a:extLst>
           </a:blip>
@@ -17134,7 +17258,7 @@
     </p:spTree>
     <p:extLst>
       <p:ext uri="{BB962C8B-B14F-4D97-AF65-F5344CB8AC3E}">
-        <p14:creationId xmlns="" xmlns:p14="http://schemas.microsoft.com/office/powerpoint/2010/main" val="1707807605"/>
+        <p14:creationId xmlns:p14="http://schemas.microsoft.com/office/powerpoint/2010/main" val="1707807605"/>
       </p:ext>
     </p:extLst>
   </p:cSld>
@@ -17213,7 +17337,7 @@
           <a:blip r:embed="rId2" cstate="print">
             <a:extLst>
               <a:ext uri="{28A0092B-C50C-407E-A947-70E740481C1C}">
-                <a14:useLocalDpi xmlns="" xmlns:a14="http://schemas.microsoft.com/office/drawing/2010/main" val="0"/>
+                <a14:useLocalDpi xmlns:a14="http://schemas.microsoft.com/office/drawing/2010/main" val="0"/>
               </a:ext>
             </a:extLst>
           </a:blip>
@@ -17310,7 +17434,7 @@
     </p:spTree>
     <p:extLst>
       <p:ext uri="{BB962C8B-B14F-4D97-AF65-F5344CB8AC3E}">
-        <p14:creationId xmlns="" xmlns:p14="http://schemas.microsoft.com/office/powerpoint/2010/main" val="2237235024"/>
+        <p14:creationId xmlns:p14="http://schemas.microsoft.com/office/powerpoint/2010/main" val="2237235024"/>
       </p:ext>
     </p:extLst>
   </p:cSld>
